--- a/PPT/11 使用Log4j打印执行日志.pptx
+++ b/PPT/11 使用Log4j打印执行日志.pptx
@@ -199,7 +199,7 @@
           <a:p>
             <a:fld id="{E705420C-898E-497A-9113-B4C9FFFCAE4E}" type="datetimeFigureOut">
               <a:rPr lang="zh-CN" altLang="en-US" smtClean="0"/>
-              <a:t>2019/4/26</a:t>
+              <a:t>2019/4/28</a:t>
             </a:fld>
             <a:endParaRPr lang="zh-CN" altLang="en-US"/>
           </a:p>
@@ -673,7 +673,7 @@
           <a:p>
             <a:fld id="{530820CF-B880-4189-942D-D702A7CBA730}" type="datetimeFigureOut">
               <a:rPr lang="zh-CN" altLang="en-US" smtClean="0"/>
-              <a:t>2019/4/26</a:t>
+              <a:t>2019/4/28</a:t>
             </a:fld>
             <a:endParaRPr lang="zh-CN" altLang="en-US"/>
           </a:p>
@@ -1066,7 +1066,7 @@
           <a:p>
             <a:fld id="{530820CF-B880-4189-942D-D702A7CBA730}" type="datetimeFigureOut">
               <a:rPr lang="zh-CN" altLang="en-US" smtClean="0"/>
-              <a:t>2019/4/26</a:t>
+              <a:t>2019/4/28</a:t>
             </a:fld>
             <a:endParaRPr lang="zh-CN" altLang="en-US"/>
           </a:p>
@@ -1566,7 +1566,7 @@
           <a:p>
             <a:fld id="{530820CF-B880-4189-942D-D702A7CBA730}" type="datetimeFigureOut">
               <a:rPr lang="zh-CN" altLang="en-US" smtClean="0"/>
-              <a:t>2019/4/26</a:t>
+              <a:t>2019/4/28</a:t>
             </a:fld>
             <a:endParaRPr lang="zh-CN" altLang="en-US"/>
           </a:p>
@@ -1946,7 +1946,7 @@
           <a:lstStyle/>
           <a:p>
             <a:r>
-              <a:rPr lang="en-US" altLang="zh-CN" b="0" smtClean="0">
+              <a:rPr lang="en-US" altLang="zh-CN" b="0" dirty="0" smtClean="0">
                 <a:latin typeface="微软雅黑" panose="020B0503020204020204" pitchFamily="34" charset="-122"/>
                 <a:ea typeface="微软雅黑" panose="020B0503020204020204" pitchFamily="34" charset="-122"/>
               </a:rPr>
@@ -2031,7 +2031,7 @@
         </p:spPr>
         <p:txBody>
           <a:bodyPr>
-            <a:normAutofit/>
+            <a:normAutofit fontScale="92500"/>
           </a:bodyPr>
           <a:lstStyle/>
           <a:p>
@@ -2045,45 +2045,92 @@
               <a:buNone/>
             </a:pPr>
             <a:r>
-              <a:rPr lang="en-US" altLang="zh-CN" dirty="0" smtClean="0"/>
+              <a:rPr lang="en-US" altLang="zh-CN" dirty="0" smtClean="0">
+                <a:latin typeface="+mn-ea"/>
+              </a:rPr>
               <a:t>       Log4j</a:t>
             </a:r>
             <a:r>
-              <a:rPr lang="zh-CN" altLang="en-US" dirty="0" smtClean="0"/>
+              <a:rPr lang="zh-CN" altLang="en-US" dirty="0" smtClean="0">
+                <a:latin typeface="+mn-ea"/>
+              </a:rPr>
               <a:t>是</a:t>
             </a:r>
             <a:r>
-              <a:rPr lang="en-US" altLang="zh-CN" dirty="0"/>
+              <a:rPr lang="en-US" altLang="zh-CN" dirty="0">
+                <a:latin typeface="+mn-ea"/>
+              </a:rPr>
               <a:t>Apache</a:t>
             </a:r>
             <a:r>
-              <a:rPr lang="zh-CN" altLang="en-US" dirty="0"/>
+              <a:rPr lang="zh-CN" altLang="en-US" dirty="0">
+                <a:latin typeface="+mn-ea"/>
+              </a:rPr>
               <a:t>的一个开放源代码项目</a:t>
             </a:r>
             <a:r>
-              <a:rPr lang="en-US" altLang="zh-CN" dirty="0"/>
+              <a:rPr lang="en-US" altLang="zh-CN" dirty="0">
+                <a:latin typeface="+mn-ea"/>
+              </a:rPr>
               <a:t>(</a:t>
             </a:r>
             <a:r>
               <a:rPr lang="en-US" altLang="zh-CN" dirty="0">
+                <a:latin typeface="+mn-ea"/>
                 <a:hlinkClick r:id="rId3"/>
               </a:rPr>
-              <a:t>http://logging.apache.org/log4j/docs/</a:t>
-            </a:r>
-            <a:r>
-              <a:rPr lang="en-US" altLang="zh-CN" dirty="0"/>
+              <a:t>http://</a:t>
+            </a:r>
+            <a:r>
+              <a:rPr lang="en-US" altLang="zh-CN" dirty="0" smtClean="0">
+                <a:latin typeface="+mn-ea"/>
+                <a:hlinkClick r:id="rId3"/>
+              </a:rPr>
+              <a:t>logging.apache.org/log4j/2.x/download.html</a:t>
+            </a:r>
+            <a:r>
+              <a:rPr lang="en-US" altLang="zh-CN" dirty="0">
+                <a:latin typeface="+mn-ea"/>
+              </a:rPr>
               <a:t>)</a:t>
             </a:r>
             <a:r>
-              <a:rPr lang="zh-CN" altLang="en-US" dirty="0"/>
-              <a:t>，它是一个日志操作包。通过使用</a:t>
-            </a:r>
-            <a:r>
-              <a:rPr lang="en-US" altLang="zh-CN" dirty="0" smtClean="0"/>
+              <a:rPr lang="zh-CN" altLang="en-US" dirty="0" smtClean="0">
+                <a:latin typeface="+mn-ea"/>
+              </a:rPr>
+              <a:t>，</a:t>
+            </a:r>
+            <a:r>
+              <a:rPr lang="zh-CN" altLang="en-US" dirty="0">
+                <a:latin typeface="+mn-ea"/>
+              </a:rPr>
+              <a:t>它是一个</a:t>
+            </a:r>
+            <a:r>
+              <a:rPr lang="zh-CN" altLang="en-US" dirty="0">
+                <a:solidFill>
+                  <a:srgbClr val="FF0000"/>
+                </a:solidFill>
+                <a:latin typeface="+mn-ea"/>
+              </a:rPr>
+              <a:t>日志操作包</a:t>
+            </a:r>
+            <a:r>
+              <a:rPr lang="zh-CN" altLang="en-US" dirty="0">
+                <a:latin typeface="+mn-ea"/>
+              </a:rPr>
+              <a:t>。通过使用</a:t>
+            </a:r>
+            <a:r>
+              <a:rPr lang="en-US" altLang="zh-CN" dirty="0" smtClean="0">
+                <a:latin typeface="+mn-ea"/>
+              </a:rPr>
               <a:t>Log4j,</a:t>
             </a:r>
             <a:r>
-              <a:rPr lang="zh-CN" altLang="en-US" dirty="0"/>
+              <a:rPr lang="zh-CN" altLang="en-US" dirty="0">
+                <a:latin typeface="+mn-ea"/>
+              </a:rPr>
               <a:t>可以指定日志信息输出的目的地，控制每一条日志的输出格式，定义日志信息的级别。所有这些功能通过一个配置文件灵活进行配置。 </a:t>
             </a:r>
           </a:p>
@@ -2190,7 +2237,7 @@
       </p:sp>
       <p:pic>
         <p:nvPicPr>
-          <p:cNvPr id="1026" name="Picture 2" descr="Log4j 2 Class Relationships"/>
+          <p:cNvPr id="2" name="Picture 2"/>
           <p:cNvPicPr>
             <a:picLocks noChangeAspect="1" noChangeArrowheads="1"/>
           </p:cNvPicPr>
@@ -2211,20 +2258,43 @@
         </p:blipFill>
         <p:spPr bwMode="auto">
           <a:xfrm>
-            <a:off x="539552" y="1340768"/>
-            <a:ext cx="7544129" cy="4623420"/>
+            <a:off x="539552" y="1484784"/>
+            <a:ext cx="7903871" cy="4896544"/>
           </a:xfrm>
           <a:prstGeom prst="rect">
             <a:avLst/>
           </a:prstGeom>
           <a:noFill/>
+          <a:ln>
+            <a:noFill/>
+          </a:ln>
+          <a:effectLst/>
           <a:extLst>
             <a:ext uri="{909E8E84-426E-40DD-AFC4-6F175D3DCCD1}">
               <a14:hiddenFill xmlns:a14="http://schemas.microsoft.com/office/drawing/2010/main">
                 <a:solidFill>
-                  <a:srgbClr val="FFFFFF"/>
+                  <a:schemeClr val="accent1"/>
                 </a:solidFill>
               </a14:hiddenFill>
+            </a:ext>
+            <a:ext uri="{91240B29-F687-4F45-9708-019B960494DF}">
+              <a14:hiddenLine xmlns:a14="http://schemas.microsoft.com/office/drawing/2010/main" w="9525">
+                <a:solidFill>
+                  <a:schemeClr val="tx1"/>
+                </a:solidFill>
+                <a:miter lim="800000"/>
+                <a:headEnd/>
+                <a:tailEnd/>
+              </a14:hiddenLine>
+            </a:ext>
+            <a:ext uri="{AF507438-7753-43E0-B8FC-AC1667EBCBE1}">
+              <a14:hiddenEffects xmlns:a14="http://schemas.microsoft.com/office/drawing/2010/main">
+                <a:effectLst>
+                  <a:outerShdw dist="35921" dir="2700000" algn="ctr" rotWithShape="0">
+                    <a:schemeClr val="bg2"/>
+                  </a:outerShdw>
+                </a:effectLst>
+              </a14:hiddenEffects>
             </a:ext>
           </a:extLst>
         </p:spPr>
@@ -2284,7 +2354,7 @@
         </p:spPr>
         <p:txBody>
           <a:bodyPr>
-            <a:normAutofit fontScale="92500"/>
+            <a:normAutofit fontScale="85000" lnSpcReduction="10000"/>
           </a:bodyPr>
           <a:lstStyle/>
           <a:p>
@@ -2424,7 +2494,35 @@
             </a:r>
             <a:r>
               <a:rPr lang="zh-CN" altLang="en-US" dirty="0"/>
-              <a:t>的工具类</a:t>
+              <a:t>的工具</a:t>
+            </a:r>
+            <a:r>
+              <a:rPr lang="zh-CN" altLang="en-US" dirty="0" smtClean="0"/>
+              <a:t>类</a:t>
+            </a:r>
+            <a:endParaRPr lang="en-US" altLang="zh-CN" dirty="0" smtClean="0"/>
+          </a:p>
+          <a:p>
+            <a:pPr marL="0" indent="0">
+              <a:lnSpc>
+                <a:spcPct val="150000"/>
+              </a:lnSpc>
+              <a:spcBef>
+                <a:spcPts val="0"/>
+              </a:spcBef>
+              <a:buNone/>
+            </a:pPr>
+            <a:r>
+              <a:rPr lang="zh-CN" altLang="en-US" dirty="0" smtClean="0"/>
+              <a:t>参照实例：</a:t>
+            </a:r>
+            <a:r>
+              <a:rPr lang="en-US" altLang="zh-CN" dirty="0" smtClean="0"/>
+              <a:t>https</a:t>
+            </a:r>
+            <a:r>
+              <a:rPr lang="en-US" altLang="zh-CN" dirty="0"/>
+              <a:t>://github.com/apache/logging-log4j2</a:t>
             </a:r>
             <a:endParaRPr lang="en-US" altLang="zh-CN" dirty="0"/>
           </a:p>
@@ -2520,7 +2618,7 @@
         </p:spPr>
         <p:txBody>
           <a:bodyPr>
-            <a:normAutofit fontScale="40000" lnSpcReduction="20000"/>
+            <a:noAutofit/>
           </a:bodyPr>
           <a:lstStyle/>
           <a:p>
@@ -2534,25 +2632,10 @@
               <a:buNone/>
             </a:pPr>
             <a:r>
-              <a:rPr lang="en-US" altLang="zh-CN" sz="5000" dirty="0">
-                <a:latin typeface="Times New Roman" panose="02020603050405020304" pitchFamily="18" charset="0"/>
-                <a:cs typeface="Times New Roman" panose="02020603050405020304" pitchFamily="18" charset="0"/>
-              </a:rPr>
-              <a:t>public class </a:t>
-            </a:r>
-            <a:r>
-              <a:rPr lang="en-US" altLang="zh-CN" sz="5000" dirty="0" err="1">
-                <a:latin typeface="Times New Roman" panose="02020603050405020304" pitchFamily="18" charset="0"/>
-                <a:cs typeface="Times New Roman" panose="02020603050405020304" pitchFamily="18" charset="0"/>
-              </a:rPr>
-              <a:t>HelloWorld</a:t>
-            </a:r>
-            <a:r>
-              <a:rPr lang="en-US" altLang="zh-CN" sz="5000" dirty="0">
-                <a:latin typeface="Times New Roman" panose="02020603050405020304" pitchFamily="18" charset="0"/>
-                <a:cs typeface="Times New Roman" panose="02020603050405020304" pitchFamily="18" charset="0"/>
-              </a:rPr>
-              <a:t> {</a:t>
+              <a:rPr lang="en-US" altLang="zh-CN" sz="1800" dirty="0">
+                <a:cs typeface="Times New Roman" panose="02020603050405020304" pitchFamily="18" charset="0"/>
+              </a:rPr>
+              <a:t>import org.apache.logging.log4j.LogManager;</a:t>
             </a:r>
           </a:p>
           <a:p>
@@ -2566,321 +2649,354 @@
               <a:buNone/>
             </a:pPr>
             <a:r>
-              <a:rPr lang="en-US" altLang="zh-CN" sz="5000" dirty="0">
-                <a:latin typeface="Times New Roman" panose="02020603050405020304" pitchFamily="18" charset="0"/>
-                <a:cs typeface="Times New Roman" panose="02020603050405020304" pitchFamily="18" charset="0"/>
-              </a:rPr>
-              <a:t>    private static final Logger </a:t>
-            </a:r>
-            <a:r>
-              <a:rPr lang="en-US" altLang="zh-CN" sz="5000" dirty="0" err="1">
-                <a:latin typeface="Times New Roman" panose="02020603050405020304" pitchFamily="18" charset="0"/>
-                <a:cs typeface="Times New Roman" panose="02020603050405020304" pitchFamily="18" charset="0"/>
-              </a:rPr>
-              <a:t>logger</a:t>
-            </a:r>
-            <a:r>
-              <a:rPr lang="en-US" altLang="zh-CN" sz="5000" dirty="0">
-                <a:latin typeface="Times New Roman" panose="02020603050405020304" pitchFamily="18" charset="0"/>
-                <a:cs typeface="Times New Roman" panose="02020603050405020304" pitchFamily="18" charset="0"/>
-              </a:rPr>
-              <a:t> = </a:t>
-            </a:r>
-            <a:r>
-              <a:rPr lang="en-US" altLang="zh-CN" sz="5000" dirty="0" err="1">
-                <a:latin typeface="Times New Roman" panose="02020603050405020304" pitchFamily="18" charset="0"/>
-                <a:cs typeface="Times New Roman" panose="02020603050405020304" pitchFamily="18" charset="0"/>
-              </a:rPr>
-              <a:t>LogManager.getLogger</a:t>
-            </a:r>
-            <a:r>
-              <a:rPr lang="en-US" altLang="zh-CN" sz="5000" dirty="0">
-                <a:latin typeface="Times New Roman" panose="02020603050405020304" pitchFamily="18" charset="0"/>
-                <a:cs typeface="Times New Roman" panose="02020603050405020304" pitchFamily="18" charset="0"/>
-              </a:rPr>
-              <a:t>("</a:t>
-            </a:r>
-            <a:r>
-              <a:rPr lang="en-US" altLang="zh-CN" sz="5000" dirty="0" err="1">
-                <a:latin typeface="Times New Roman" panose="02020603050405020304" pitchFamily="18" charset="0"/>
-                <a:cs typeface="Times New Roman" panose="02020603050405020304" pitchFamily="18" charset="0"/>
-              </a:rPr>
-              <a:t>HelloWorld</a:t>
-            </a:r>
-            <a:r>
-              <a:rPr lang="en-US" altLang="zh-CN" sz="5000" dirty="0">
-                <a:latin typeface="Times New Roman" panose="02020603050405020304" pitchFamily="18" charset="0"/>
-                <a:cs typeface="Times New Roman" panose="02020603050405020304" pitchFamily="18" charset="0"/>
-              </a:rPr>
-              <a:t>");</a:t>
+              <a:rPr lang="en-US" altLang="zh-CN" sz="1800" dirty="0">
+                <a:cs typeface="Times New Roman" panose="02020603050405020304" pitchFamily="18" charset="0"/>
+              </a:rPr>
+              <a:t>import org.apache.logging.log4j.Logger;</a:t>
             </a:r>
           </a:p>
           <a:p>
             <a:pPr marL="0" indent="0">
-              <a:lnSpc>
-                <a:spcPct val="170000"/>
-              </a:lnSpc>
-              <a:spcBef>
-                <a:spcPts val="0"/>
-              </a:spcBef>
-              <a:buNone/>
-            </a:pPr>
-            <a:r>
-              <a:rPr lang="en-US" altLang="zh-CN" sz="5000" dirty="0">
-                <a:latin typeface="Times New Roman" panose="02020603050405020304" pitchFamily="18" charset="0"/>
-                <a:cs typeface="Times New Roman" panose="02020603050405020304" pitchFamily="18" charset="0"/>
-              </a:rPr>
-              <a:t>    public static void main(String[] </a:t>
-            </a:r>
-            <a:r>
-              <a:rPr lang="en-US" altLang="zh-CN" sz="5000" dirty="0" err="1">
-                <a:latin typeface="Times New Roman" panose="02020603050405020304" pitchFamily="18" charset="0"/>
-                <a:cs typeface="Times New Roman" panose="02020603050405020304" pitchFamily="18" charset="0"/>
-              </a:rPr>
-              <a:t>args</a:t>
-            </a:r>
-            <a:r>
-              <a:rPr lang="en-US" altLang="zh-CN" sz="5000" dirty="0">
-                <a:latin typeface="Times New Roman" panose="02020603050405020304" pitchFamily="18" charset="0"/>
-                <a:cs typeface="Times New Roman" panose="02020603050405020304" pitchFamily="18" charset="0"/>
-              </a:rPr>
-              <a:t>) {    </a:t>
+              <a:buNone/>
+            </a:pPr>
+            <a:r>
+              <a:rPr lang="en-US" altLang="zh-CN" sz="1800" dirty="0">
+                <a:cs typeface="Times New Roman" panose="02020603050405020304" pitchFamily="18" charset="0"/>
+              </a:rPr>
+              <a:t>public class Log4jDemo1 {</a:t>
             </a:r>
           </a:p>
           <a:p>
             <a:pPr marL="0" indent="0">
-              <a:lnSpc>
-                <a:spcPct val="170000"/>
-              </a:lnSpc>
-              <a:spcBef>
-                <a:spcPts val="0"/>
-              </a:spcBef>
-              <a:buNone/>
-            </a:pPr>
-            <a:r>
-              <a:rPr lang="en-US" altLang="zh-CN" sz="5000" dirty="0">
-                <a:latin typeface="Times New Roman" panose="02020603050405020304" pitchFamily="18" charset="0"/>
-                <a:cs typeface="Times New Roman" panose="02020603050405020304" pitchFamily="18" charset="0"/>
-              </a:rPr>
-              <a:t>     String hello = "Hello, World!";    </a:t>
+              <a:buNone/>
+            </a:pPr>
+            <a:r>
+              <a:rPr lang="it-IT" altLang="zh-CN" sz="1800" dirty="0">
+                <a:cs typeface="Times New Roman" panose="02020603050405020304" pitchFamily="18" charset="0"/>
+              </a:rPr>
+              <a:t> private static final Logger LOGGER = LogManager.getLogger();</a:t>
             </a:r>
           </a:p>
           <a:p>
             <a:pPr marL="0" indent="0">
-              <a:lnSpc>
-                <a:spcPct val="170000"/>
-              </a:lnSpc>
-              <a:spcBef>
-                <a:spcPts val="0"/>
-              </a:spcBef>
-              <a:buNone/>
-            </a:pPr>
-            <a:r>
-              <a:rPr lang="en-US" altLang="zh-CN" sz="5000" dirty="0">
-                <a:latin typeface="Times New Roman" panose="02020603050405020304" pitchFamily="18" charset="0"/>
-                <a:cs typeface="Times New Roman" panose="02020603050405020304" pitchFamily="18" charset="0"/>
-              </a:rPr>
-              <a:t>        </a:t>
-            </a:r>
-            <a:r>
-              <a:rPr lang="en-US" altLang="zh-CN" sz="5000" dirty="0" err="1">
-                <a:latin typeface="Times New Roman" panose="02020603050405020304" pitchFamily="18" charset="0"/>
-                <a:cs typeface="Times New Roman" panose="02020603050405020304" pitchFamily="18" charset="0"/>
-              </a:rPr>
-              <a:t>logger.trace</a:t>
-            </a:r>
-            <a:r>
-              <a:rPr lang="en-US" altLang="zh-CN" sz="5000" dirty="0">
-                <a:latin typeface="Times New Roman" panose="02020603050405020304" pitchFamily="18" charset="0"/>
-                <a:cs typeface="Times New Roman" panose="02020603050405020304" pitchFamily="18" charset="0"/>
-              </a:rPr>
-              <a:t>("TRACE: " + hello);</a:t>
+              <a:buNone/>
+            </a:pPr>
+            <a:r>
+              <a:rPr lang="en-US" altLang="zh-CN" sz="1800" dirty="0">
+                <a:cs typeface="Times New Roman" panose="02020603050405020304" pitchFamily="18" charset="0"/>
+              </a:rPr>
+              <a:t>   String </a:t>
+            </a:r>
+            <a:r>
+              <a:rPr lang="en-US" altLang="zh-CN" sz="1800" dirty="0" err="1">
+                <a:cs typeface="Times New Roman" panose="02020603050405020304" pitchFamily="18" charset="0"/>
+              </a:rPr>
+              <a:t>msg</a:t>
+            </a:r>
+            <a:r>
+              <a:rPr lang="en-US" altLang="zh-CN" sz="1800" dirty="0">
+                <a:cs typeface="Times New Roman" panose="02020603050405020304" pitchFamily="18" charset="0"/>
+              </a:rPr>
+              <a:t>="hello";</a:t>
             </a:r>
           </a:p>
           <a:p>
             <a:pPr marL="0" indent="0">
-              <a:lnSpc>
-                <a:spcPct val="170000"/>
-              </a:lnSpc>
-              <a:spcBef>
-                <a:spcPts val="0"/>
-              </a:spcBef>
-              <a:buNone/>
-            </a:pPr>
-            <a:r>
-              <a:rPr lang="en-US" altLang="zh-CN" sz="5000" dirty="0">
-                <a:latin typeface="Times New Roman" panose="02020603050405020304" pitchFamily="18" charset="0"/>
-                <a:cs typeface="Times New Roman" panose="02020603050405020304" pitchFamily="18" charset="0"/>
-              </a:rPr>
-              <a:t>        </a:t>
-            </a:r>
-            <a:r>
-              <a:rPr lang="en-US" altLang="zh-CN" sz="5000" dirty="0" err="1">
-                <a:latin typeface="Times New Roman" panose="02020603050405020304" pitchFamily="18" charset="0"/>
-                <a:cs typeface="Times New Roman" panose="02020603050405020304" pitchFamily="18" charset="0"/>
-              </a:rPr>
-              <a:t>logger.debug</a:t>
-            </a:r>
-            <a:r>
-              <a:rPr lang="en-US" altLang="zh-CN" sz="5000" dirty="0">
-                <a:latin typeface="Times New Roman" panose="02020603050405020304" pitchFamily="18" charset="0"/>
-                <a:cs typeface="Times New Roman" panose="02020603050405020304" pitchFamily="18" charset="0"/>
-              </a:rPr>
-              <a:t>("DEBUG: " + hello);</a:t>
+              <a:buNone/>
+            </a:pPr>
+            <a:r>
+              <a:rPr lang="en-US" altLang="zh-CN" sz="1800" dirty="0">
+                <a:cs typeface="Times New Roman" panose="02020603050405020304" pitchFamily="18" charset="0"/>
+              </a:rPr>
+              <a:t>   @Test</a:t>
             </a:r>
           </a:p>
           <a:p>
             <a:pPr marL="0" indent="0">
-              <a:lnSpc>
-                <a:spcPct val="170000"/>
-              </a:lnSpc>
-              <a:spcBef>
-                <a:spcPts val="0"/>
-              </a:spcBef>
-              <a:buNone/>
-            </a:pPr>
-            <a:r>
-              <a:rPr lang="en-US" altLang="zh-CN" sz="5000" dirty="0">
-                <a:latin typeface="Times New Roman" panose="02020603050405020304" pitchFamily="18" charset="0"/>
-                <a:cs typeface="Times New Roman" panose="02020603050405020304" pitchFamily="18" charset="0"/>
-              </a:rPr>
-              <a:t>        logger.info("INFO: " + hello);</a:t>
+              <a:buNone/>
+            </a:pPr>
+            <a:r>
+              <a:rPr lang="en-US" altLang="zh-CN" sz="1800" dirty="0">
+                <a:cs typeface="Times New Roman" panose="02020603050405020304" pitchFamily="18" charset="0"/>
+              </a:rPr>
+              <a:t>   public void test1() {</a:t>
             </a:r>
           </a:p>
           <a:p>
             <a:pPr marL="0" indent="0">
-              <a:lnSpc>
-                <a:spcPct val="170000"/>
-              </a:lnSpc>
-              <a:spcBef>
-                <a:spcPts val="0"/>
-              </a:spcBef>
-              <a:buNone/>
-            </a:pPr>
-            <a:r>
-              <a:rPr lang="en-US" altLang="zh-CN" sz="5000" dirty="0">
-                <a:latin typeface="Times New Roman" panose="02020603050405020304" pitchFamily="18" charset="0"/>
-                <a:cs typeface="Times New Roman" panose="02020603050405020304" pitchFamily="18" charset="0"/>
-              </a:rPr>
-              <a:t>        </a:t>
-            </a:r>
-            <a:r>
-              <a:rPr lang="en-US" altLang="zh-CN" sz="5000" dirty="0" err="1">
-                <a:latin typeface="Times New Roman" panose="02020603050405020304" pitchFamily="18" charset="0"/>
-                <a:cs typeface="Times New Roman" panose="02020603050405020304" pitchFamily="18" charset="0"/>
-              </a:rPr>
-              <a:t>logger.warn</a:t>
-            </a:r>
-            <a:r>
-              <a:rPr lang="en-US" altLang="zh-CN" sz="5000" dirty="0">
-                <a:latin typeface="Times New Roman" panose="02020603050405020304" pitchFamily="18" charset="0"/>
-                <a:cs typeface="Times New Roman" panose="02020603050405020304" pitchFamily="18" charset="0"/>
-              </a:rPr>
-              <a:t>("WARN: " + hello);</a:t>
+              <a:buNone/>
+            </a:pPr>
+            <a:r>
+              <a:rPr lang="en-US" altLang="zh-CN" sz="1800" dirty="0">
+                <a:cs typeface="Times New Roman" panose="02020603050405020304" pitchFamily="18" charset="0"/>
+              </a:rPr>
+              <a:t>   </a:t>
+            </a:r>
+            <a:r>
+              <a:rPr lang="en-US" altLang="zh-CN" sz="1800" dirty="0" err="1">
+                <a:cs typeface="Times New Roman" panose="02020603050405020304" pitchFamily="18" charset="0"/>
+              </a:rPr>
+              <a:t>System.out.println</a:t>
+            </a:r>
+            <a:r>
+              <a:rPr lang="en-US" altLang="zh-CN" sz="1800" dirty="0">
+                <a:cs typeface="Times New Roman" panose="02020603050405020304" pitchFamily="18" charset="0"/>
+              </a:rPr>
+              <a:t>(</a:t>
+            </a:r>
+            <a:r>
+              <a:rPr lang="en-US" altLang="zh-CN" sz="1800" dirty="0" err="1">
+                <a:cs typeface="Times New Roman" panose="02020603050405020304" pitchFamily="18" charset="0"/>
+              </a:rPr>
+              <a:t>Thread.currentThread</a:t>
+            </a:r>
+            <a:r>
+              <a:rPr lang="en-US" altLang="zh-CN" sz="1800" dirty="0">
+                <a:cs typeface="Times New Roman" panose="02020603050405020304" pitchFamily="18" charset="0"/>
+              </a:rPr>
+              <a:t>().</a:t>
+            </a:r>
+            <a:r>
+              <a:rPr lang="en-US" altLang="zh-CN" sz="1800" dirty="0" err="1">
+                <a:cs typeface="Times New Roman" panose="02020603050405020304" pitchFamily="18" charset="0"/>
+              </a:rPr>
+              <a:t>getName</a:t>
+            </a:r>
+            <a:r>
+              <a:rPr lang="en-US" altLang="zh-CN" sz="1800" dirty="0">
+                <a:cs typeface="Times New Roman" panose="02020603050405020304" pitchFamily="18" charset="0"/>
+              </a:rPr>
+              <a:t>());</a:t>
             </a:r>
           </a:p>
           <a:p>
             <a:pPr marL="0" indent="0">
-              <a:lnSpc>
-                <a:spcPct val="170000"/>
-              </a:lnSpc>
-              <a:spcBef>
-                <a:spcPts val="0"/>
-              </a:spcBef>
-              <a:buNone/>
-            </a:pPr>
-            <a:r>
-              <a:rPr lang="en-US" altLang="zh-CN" sz="5000" dirty="0">
-                <a:latin typeface="Times New Roman" panose="02020603050405020304" pitchFamily="18" charset="0"/>
-                <a:cs typeface="Times New Roman" panose="02020603050405020304" pitchFamily="18" charset="0"/>
-              </a:rPr>
-              <a:t>        </a:t>
-            </a:r>
-            <a:r>
-              <a:rPr lang="en-US" altLang="zh-CN" sz="5000" dirty="0" err="1">
-                <a:latin typeface="Times New Roman" panose="02020603050405020304" pitchFamily="18" charset="0"/>
-                <a:cs typeface="Times New Roman" panose="02020603050405020304" pitchFamily="18" charset="0"/>
-              </a:rPr>
-              <a:t>logger.error</a:t>
-            </a:r>
-            <a:r>
-              <a:rPr lang="en-US" altLang="zh-CN" sz="5000" dirty="0">
-                <a:latin typeface="Times New Roman" panose="02020603050405020304" pitchFamily="18" charset="0"/>
-                <a:cs typeface="Times New Roman" panose="02020603050405020304" pitchFamily="18" charset="0"/>
-              </a:rPr>
-              <a:t>("ERROR: " + hello);</a:t>
+              <a:buNone/>
+            </a:pPr>
+            <a:r>
+              <a:rPr lang="en-US" altLang="zh-CN" sz="1800" dirty="0">
+                <a:cs typeface="Times New Roman" panose="02020603050405020304" pitchFamily="18" charset="0"/>
+              </a:rPr>
+              <a:t>   </a:t>
+            </a:r>
+            <a:r>
+              <a:rPr lang="en-US" altLang="zh-CN" sz="1800" dirty="0" err="1">
+                <a:cs typeface="Times New Roman" panose="02020603050405020304" pitchFamily="18" charset="0"/>
+              </a:rPr>
+              <a:t>LOGGER.trace</a:t>
+            </a:r>
+            <a:r>
+              <a:rPr lang="en-US" altLang="zh-CN" sz="1800" dirty="0">
+                <a:cs typeface="Times New Roman" panose="02020603050405020304" pitchFamily="18" charset="0"/>
+              </a:rPr>
+              <a:t>("trace:"+</a:t>
+            </a:r>
+            <a:r>
+              <a:rPr lang="en-US" altLang="zh-CN" sz="1800" dirty="0" err="1">
+                <a:cs typeface="Times New Roman" panose="02020603050405020304" pitchFamily="18" charset="0"/>
+              </a:rPr>
+              <a:t>msg</a:t>
+            </a:r>
+            <a:r>
+              <a:rPr lang="en-US" altLang="zh-CN" sz="1800" dirty="0">
+                <a:cs typeface="Times New Roman" panose="02020603050405020304" pitchFamily="18" charset="0"/>
+              </a:rPr>
+              <a:t>);</a:t>
             </a:r>
           </a:p>
           <a:p>
             <a:pPr marL="0" indent="0">
-              <a:lnSpc>
-                <a:spcPct val="170000"/>
-              </a:lnSpc>
-              <a:spcBef>
-                <a:spcPts val="0"/>
-              </a:spcBef>
-              <a:buNone/>
-            </a:pPr>
-            <a:r>
-              <a:rPr lang="en-US" altLang="zh-CN" sz="5000" dirty="0">
-                <a:latin typeface="Times New Roman" panose="02020603050405020304" pitchFamily="18" charset="0"/>
-                <a:cs typeface="Times New Roman" panose="02020603050405020304" pitchFamily="18" charset="0"/>
-              </a:rPr>
-              <a:t>        </a:t>
-            </a:r>
-            <a:r>
-              <a:rPr lang="en-US" altLang="zh-CN" sz="5000" dirty="0" err="1">
-                <a:latin typeface="Times New Roman" panose="02020603050405020304" pitchFamily="18" charset="0"/>
-                <a:cs typeface="Times New Roman" panose="02020603050405020304" pitchFamily="18" charset="0"/>
-              </a:rPr>
-              <a:t>logger.fatal</a:t>
-            </a:r>
-            <a:r>
-              <a:rPr lang="en-US" altLang="zh-CN" sz="5000" dirty="0">
-                <a:latin typeface="Times New Roman" panose="02020603050405020304" pitchFamily="18" charset="0"/>
-                <a:cs typeface="Times New Roman" panose="02020603050405020304" pitchFamily="18" charset="0"/>
-              </a:rPr>
-              <a:t>("FATAL: " + hello);</a:t>
+              <a:buNone/>
+            </a:pPr>
+            <a:r>
+              <a:rPr lang="en-US" altLang="zh-CN" sz="1800" dirty="0">
+                <a:cs typeface="Times New Roman" panose="02020603050405020304" pitchFamily="18" charset="0"/>
+              </a:rPr>
+              <a:t>   </a:t>
+            </a:r>
+            <a:r>
+              <a:rPr lang="en-US" altLang="zh-CN" sz="1800" dirty="0" err="1">
+                <a:cs typeface="Times New Roman" panose="02020603050405020304" pitchFamily="18" charset="0"/>
+              </a:rPr>
+              <a:t>LOGGER.debug</a:t>
+            </a:r>
+            <a:r>
+              <a:rPr lang="en-US" altLang="zh-CN" sz="1800" dirty="0">
+                <a:cs typeface="Times New Roman" panose="02020603050405020304" pitchFamily="18" charset="0"/>
+              </a:rPr>
+              <a:t>("debug:"+</a:t>
+            </a:r>
+            <a:r>
+              <a:rPr lang="en-US" altLang="zh-CN" sz="1800" dirty="0" err="1">
+                <a:cs typeface="Times New Roman" panose="02020603050405020304" pitchFamily="18" charset="0"/>
+              </a:rPr>
+              <a:t>msg</a:t>
+            </a:r>
+            <a:r>
+              <a:rPr lang="en-US" altLang="zh-CN" sz="1800" dirty="0">
+                <a:cs typeface="Times New Roman" panose="02020603050405020304" pitchFamily="18" charset="0"/>
+              </a:rPr>
+              <a:t>);</a:t>
             </a:r>
           </a:p>
           <a:p>
             <a:pPr marL="0" indent="0">
-              <a:lnSpc>
-                <a:spcPct val="170000"/>
-              </a:lnSpc>
-              <a:spcBef>
-                <a:spcPts val="0"/>
-              </a:spcBef>
-              <a:buNone/>
-            </a:pPr>
-            <a:r>
-              <a:rPr lang="en-US" altLang="zh-CN" sz="5000" dirty="0">
-                <a:latin typeface="Times New Roman" panose="02020603050405020304" pitchFamily="18" charset="0"/>
-                <a:cs typeface="Times New Roman" panose="02020603050405020304" pitchFamily="18" charset="0"/>
-              </a:rPr>
-              <a:t>    }</a:t>
+              <a:buNone/>
+            </a:pPr>
+            <a:r>
+              <a:rPr lang="en-US" altLang="zh-CN" sz="1800" dirty="0">
+                <a:cs typeface="Times New Roman" panose="02020603050405020304" pitchFamily="18" charset="0"/>
+              </a:rPr>
+              <a:t>   LOGGER.info("info:"+</a:t>
+            </a:r>
+            <a:r>
+              <a:rPr lang="en-US" altLang="zh-CN" sz="1800" dirty="0" err="1">
+                <a:cs typeface="Times New Roman" panose="02020603050405020304" pitchFamily="18" charset="0"/>
+              </a:rPr>
+              <a:t>msg</a:t>
+            </a:r>
+            <a:r>
+              <a:rPr lang="en-US" altLang="zh-CN" sz="1800" dirty="0">
+                <a:cs typeface="Times New Roman" panose="02020603050405020304" pitchFamily="18" charset="0"/>
+              </a:rPr>
+              <a:t>);</a:t>
             </a:r>
           </a:p>
           <a:p>
             <a:pPr marL="0" indent="0">
-              <a:lnSpc>
-                <a:spcPct val="170000"/>
-              </a:lnSpc>
-              <a:spcBef>
-                <a:spcPts val="0"/>
-              </a:spcBef>
-              <a:buNone/>
-            </a:pPr>
-            <a:r>
-              <a:rPr lang="en-US" altLang="zh-CN" sz="5000" dirty="0">
-                <a:latin typeface="Times New Roman" panose="02020603050405020304" pitchFamily="18" charset="0"/>
+              <a:buNone/>
+            </a:pPr>
+            <a:r>
+              <a:rPr lang="en-US" altLang="zh-CN" sz="1800" dirty="0">
+                <a:cs typeface="Times New Roman" panose="02020603050405020304" pitchFamily="18" charset="0"/>
+              </a:rPr>
+              <a:t>   </a:t>
+            </a:r>
+            <a:r>
+              <a:rPr lang="en-US" altLang="zh-CN" sz="1800" dirty="0" err="1">
+                <a:cs typeface="Times New Roman" panose="02020603050405020304" pitchFamily="18" charset="0"/>
+              </a:rPr>
+              <a:t>LOGGER.warn</a:t>
+            </a:r>
+            <a:r>
+              <a:rPr lang="en-US" altLang="zh-CN" sz="1800" dirty="0">
+                <a:cs typeface="Times New Roman" panose="02020603050405020304" pitchFamily="18" charset="0"/>
+              </a:rPr>
+              <a:t>("warn:"+</a:t>
+            </a:r>
+            <a:r>
+              <a:rPr lang="en-US" altLang="zh-CN" sz="1800" dirty="0" err="1">
+                <a:cs typeface="Times New Roman" panose="02020603050405020304" pitchFamily="18" charset="0"/>
+              </a:rPr>
+              <a:t>msg</a:t>
+            </a:r>
+            <a:r>
+              <a:rPr lang="en-US" altLang="zh-CN" sz="1800" dirty="0">
+                <a:cs typeface="Times New Roman" panose="02020603050405020304" pitchFamily="18" charset="0"/>
+              </a:rPr>
+              <a:t>);</a:t>
+            </a:r>
+          </a:p>
+          <a:p>
+            <a:pPr marL="0" indent="0">
+              <a:buNone/>
+            </a:pPr>
+            <a:r>
+              <a:rPr lang="en-US" altLang="zh-CN" sz="1800" dirty="0">
+                <a:cs typeface="Times New Roman" panose="02020603050405020304" pitchFamily="18" charset="0"/>
+              </a:rPr>
+              <a:t>   </a:t>
+            </a:r>
+            <a:r>
+              <a:rPr lang="en-US" altLang="zh-CN" sz="1800" dirty="0" err="1">
+                <a:cs typeface="Times New Roman" panose="02020603050405020304" pitchFamily="18" charset="0"/>
+              </a:rPr>
+              <a:t>LOGGER.error</a:t>
+            </a:r>
+            <a:r>
+              <a:rPr lang="en-US" altLang="zh-CN" sz="1800" dirty="0">
+                <a:cs typeface="Times New Roman" panose="02020603050405020304" pitchFamily="18" charset="0"/>
+              </a:rPr>
+              <a:t>("error:"+</a:t>
+            </a:r>
+            <a:r>
+              <a:rPr lang="en-US" altLang="zh-CN" sz="1800" dirty="0" err="1">
+                <a:cs typeface="Times New Roman" panose="02020603050405020304" pitchFamily="18" charset="0"/>
+              </a:rPr>
+              <a:t>msg</a:t>
+            </a:r>
+            <a:r>
+              <a:rPr lang="en-US" altLang="zh-CN" sz="1800" dirty="0">
+                <a:cs typeface="Times New Roman" panose="02020603050405020304" pitchFamily="18" charset="0"/>
+              </a:rPr>
+              <a:t>);</a:t>
+            </a:r>
+          </a:p>
+          <a:p>
+            <a:pPr marL="0" indent="0">
+              <a:buNone/>
+            </a:pPr>
+            <a:r>
+              <a:rPr lang="en-US" altLang="zh-CN" sz="1800" dirty="0">
+                <a:cs typeface="Times New Roman" panose="02020603050405020304" pitchFamily="18" charset="0"/>
+              </a:rPr>
+              <a:t>   </a:t>
+            </a:r>
+            <a:r>
+              <a:rPr lang="en-US" altLang="zh-CN" sz="1800" dirty="0" err="1">
+                <a:cs typeface="Times New Roman" panose="02020603050405020304" pitchFamily="18" charset="0"/>
+              </a:rPr>
+              <a:t>LOGGER.fatal</a:t>
+            </a:r>
+            <a:r>
+              <a:rPr lang="en-US" altLang="zh-CN" sz="1800" dirty="0">
+                <a:cs typeface="Times New Roman" panose="02020603050405020304" pitchFamily="18" charset="0"/>
+              </a:rPr>
+              <a:t>("fatal:"+</a:t>
+            </a:r>
+            <a:r>
+              <a:rPr lang="en-US" altLang="zh-CN" sz="1800" dirty="0" err="1">
+                <a:cs typeface="Times New Roman" panose="02020603050405020304" pitchFamily="18" charset="0"/>
+              </a:rPr>
+              <a:t>msg</a:t>
+            </a:r>
+            <a:r>
+              <a:rPr lang="en-US" altLang="zh-CN" sz="1800" dirty="0">
+                <a:cs typeface="Times New Roman" panose="02020603050405020304" pitchFamily="18" charset="0"/>
+              </a:rPr>
+              <a:t>);</a:t>
+            </a:r>
+          </a:p>
+          <a:p>
+            <a:pPr marL="0" indent="0">
+              <a:buNone/>
+            </a:pPr>
+            <a:r>
+              <a:rPr lang="zh-CN" altLang="en-US" sz="1800" dirty="0">
+                <a:cs typeface="Times New Roman" panose="02020603050405020304" pitchFamily="18" charset="0"/>
+              </a:rPr>
+              <a:t>   </a:t>
+            </a:r>
+            <a:r>
+              <a:rPr lang="en-US" altLang="zh-CN" sz="1800" dirty="0">
                 <a:cs typeface="Times New Roman" panose="02020603050405020304" pitchFamily="18" charset="0"/>
               </a:rPr>
               <a:t>}</a:t>
             </a:r>
           </a:p>
           <a:p>
-            <a:endParaRPr lang="zh-CN" altLang="en-US" dirty="0"/>
+            <a:pPr marL="0" indent="0">
+              <a:buNone/>
+            </a:pPr>
+            <a:r>
+              <a:rPr lang="en-US" altLang="zh-CN" sz="1800" dirty="0">
+                <a:cs typeface="Times New Roman" panose="02020603050405020304" pitchFamily="18" charset="0"/>
+              </a:rPr>
+              <a:t>}</a:t>
+            </a:r>
+            <a:endParaRPr lang="zh-CN" altLang="en-US" sz="1800" dirty="0">
+              <a:cs typeface="Times New Roman" panose="02020603050405020304" pitchFamily="18" charset="0"/>
+            </a:endParaRPr>
           </a:p>
         </p:txBody>
       </p:sp>
@@ -3327,7 +3443,7 @@
         </p:spPr>
         <p:txBody>
           <a:bodyPr>
-            <a:normAutofit/>
+            <a:normAutofit fontScale="92500" lnSpcReduction="10000"/>
           </a:bodyPr>
           <a:lstStyle/>
           <a:p>
@@ -3394,8 +3510,16 @@
               <a:buNone/>
             </a:pPr>
             <a:r>
-              <a:rPr lang="en-US" altLang="zh-CN" sz="2800" dirty="0" smtClean="0"/>
+              <a:rPr lang="en-US" altLang="zh-CN" sz="2800" dirty="0"/>
               <a:t>%-5p</a:t>
+            </a:r>
+            <a:r>
+              <a:rPr lang="zh-CN" altLang="en-US" sz="2800" dirty="0"/>
+              <a:t>，</a:t>
+            </a:r>
+            <a:r>
+              <a:rPr lang="en-US" altLang="zh-CN" sz="2800" dirty="0"/>
+              <a:t> %level</a:t>
             </a:r>
             <a:r>
               <a:rPr lang="zh-CN" altLang="en-US" sz="2800" dirty="0" smtClean="0"/>
@@ -3533,11 +3657,11 @@
               <a:buNone/>
             </a:pPr>
             <a:r>
-              <a:rPr lang="en-US" altLang="zh-CN" sz="2800" dirty="0" smtClean="0"/>
+              <a:rPr lang="en-US" altLang="zh-CN" sz="2800" dirty="0"/>
               <a:t>%n</a:t>
             </a:r>
             <a:r>
-              <a:rPr lang="zh-CN" altLang="en-US" sz="2800" dirty="0" smtClean="0"/>
+              <a:rPr lang="zh-CN" altLang="en-US" sz="2800" dirty="0"/>
               <a:t>　　输出</a:t>
             </a:r>
             <a:r>
@@ -3545,8 +3669,48 @@
               <a:t>一个回车</a:t>
             </a:r>
             <a:r>
-              <a:rPr lang="zh-CN" altLang="en-US" sz="2800" dirty="0" smtClean="0"/>
+              <a:rPr lang="zh-CN" altLang="en-US" sz="2800" dirty="0"/>
               <a:t>换行符</a:t>
+            </a:r>
+            <a:endParaRPr lang="en-US" altLang="zh-CN" sz="2800" dirty="0"/>
+          </a:p>
+          <a:p>
+            <a:pPr marL="0" indent="0">
+              <a:lnSpc>
+                <a:spcPct val="150000"/>
+              </a:lnSpc>
+              <a:spcBef>
+                <a:spcPts val="0"/>
+              </a:spcBef>
+              <a:buNone/>
+            </a:pPr>
+            <a:r>
+              <a:rPr lang="en-US" altLang="zh-CN" sz="2800" dirty="0"/>
+              <a:t>%logger{36} </a:t>
+            </a:r>
+            <a:r>
+              <a:rPr lang="en-US" altLang="zh-CN" sz="2800" dirty="0"/>
+              <a:t>   </a:t>
+            </a:r>
+            <a:r>
+              <a:rPr lang="zh-CN" altLang="en-US" sz="2800" dirty="0"/>
+              <a:t>表示</a:t>
+            </a:r>
+            <a:r>
+              <a:rPr lang="en-US" altLang="zh-CN" sz="2800" dirty="0"/>
+              <a:t>logger</a:t>
+            </a:r>
+            <a:r>
+              <a:rPr lang="zh-CN" altLang="en-US" sz="2800" dirty="0"/>
+              <a:t>名字最长</a:t>
+            </a:r>
+            <a:r>
+              <a:rPr lang="en-US" altLang="zh-CN" sz="2800" dirty="0"/>
+              <a:t>36</a:t>
+            </a:r>
+            <a:r>
+              <a:rPr lang="zh-CN" altLang="en-US" sz="2800" dirty="0"/>
+              <a:t>个字符</a:t>
             </a:r>
             <a:r>
               <a:rPr lang="en-US" altLang="zh-CN" sz="2800" dirty="0"/>
@@ -3631,8 +3795,8 @@
         </p:nvSpPr>
         <p:spPr>
           <a:xfrm>
-            <a:off x="395536" y="1124744"/>
-            <a:ext cx="9001000" cy="4525963"/>
+            <a:off x="251520" y="1124744"/>
+            <a:ext cx="9145016" cy="4525963"/>
           </a:xfrm>
         </p:spPr>
         <p:txBody>
@@ -3651,15 +3815,14 @@
               <a:buNone/>
             </a:pPr>
             <a:r>
-              <a:rPr lang="en-US" altLang="zh-CN" sz="1800" dirty="0">
-                <a:latin typeface="微软雅黑" panose="020B0503020204020204" pitchFamily="34" charset="-122"/>
-                <a:ea typeface="微软雅黑" panose="020B0503020204020204" pitchFamily="34" charset="-122"/>
+              <a:rPr lang="en-US" altLang="zh-CN" dirty="0">
+                <a:latin typeface="+mn-ea"/>
               </a:rPr>
               <a:t>&lt;</a:t>
             </a:r>
             <a:r>
-              <a:rPr lang="en-US" altLang="zh-CN" sz="2800" dirty="0">
-                <a:latin typeface="Times New Roman" panose="02020603050405020304" pitchFamily="18" charset="0"/>
+              <a:rPr lang="en-US" altLang="zh-CN" sz="3200" dirty="0">
+                <a:latin typeface="+mn-ea"/>
                 <a:cs typeface="Times New Roman" panose="02020603050405020304" pitchFamily="18" charset="0"/>
               </a:rPr>
               <a:t>Root level="INFO"&gt;</a:t>
@@ -3677,91 +3840,80 @@
               <a:buChar char="Ø"/>
             </a:pPr>
             <a:r>
-              <a:rPr lang="zh-CN" altLang="zh-CN" dirty="0"/>
+              <a:rPr lang="zh-CN" altLang="zh-CN" dirty="0">
+                <a:latin typeface="+mn-ea"/>
+              </a:rPr>
               <a:t>设置优先级别为</a:t>
             </a:r>
             <a:r>
-              <a:rPr lang="en-US" altLang="zh-CN" dirty="0"/>
+              <a:rPr lang="en-US" altLang="zh-CN" dirty="0">
+                <a:latin typeface="+mn-ea"/>
+              </a:rPr>
               <a:t>INFO </a:t>
             </a:r>
             <a:r>
-              <a:rPr lang="zh-CN" altLang="zh-CN" dirty="0"/>
-              <a:t>、日志被输出到多个输出源 ；</a:t>
-            </a:r>
-            <a:endParaRPr lang="en-US" altLang="zh-CN" dirty="0"/>
-          </a:p>
-          <a:p>
-            <a:pPr marL="457200" lvl="1" indent="-457200">
+              <a:rPr lang="zh-CN" altLang="zh-CN" dirty="0">
+                <a:latin typeface="+mn-ea"/>
+              </a:rPr>
+              <a:t>、日志被输出到多个输出源 </a:t>
+            </a:r>
+            <a:r>
+              <a:rPr lang="zh-CN" altLang="zh-CN" sz="2400" dirty="0" smtClean="0">
+                <a:latin typeface="+mn-ea"/>
+              </a:rPr>
+              <a:t>；</a:t>
+            </a:r>
+            <a:endParaRPr lang="en-US" altLang="zh-CN" sz="2400" dirty="0" smtClean="0">
+              <a:latin typeface="+mn-ea"/>
+            </a:endParaRPr>
+          </a:p>
+          <a:p>
+            <a:pPr>
+              <a:buFont typeface="Wingdings" panose="05000000000000000000" pitchFamily="2" charset="2"/>
+              <a:buChar char="Ø"/>
+            </a:pPr>
+            <a:r>
+              <a:rPr lang="zh-CN" altLang="en-US" sz="2800" dirty="0">
+                <a:latin typeface="+mn-ea"/>
+              </a:rPr>
+              <a:t>共有</a:t>
+            </a:r>
+            <a:r>
+              <a:rPr lang="en-US" altLang="zh-CN" sz="2800" dirty="0">
+                <a:latin typeface="+mn-ea"/>
+              </a:rPr>
+              <a:t>8</a:t>
+            </a:r>
+            <a:r>
+              <a:rPr lang="zh-CN" altLang="en-US" sz="2800" dirty="0">
+                <a:latin typeface="+mn-ea"/>
+              </a:rPr>
+              <a:t>个级别，按照从低到高为：</a:t>
+            </a:r>
+            <a:r>
+              <a:rPr lang="en-US" altLang="zh-CN" sz="2800" dirty="0">
+                <a:latin typeface="+mn-ea"/>
+              </a:rPr>
+              <a:t>All &lt; Trace &lt; Debug &lt; Info &lt; Warn &lt; Error &lt; Fatal &lt; </a:t>
+            </a:r>
+            <a:r>
+              <a:rPr lang="en-US" altLang="zh-CN" sz="2800" dirty="0" smtClean="0">
+                <a:latin typeface="+mn-ea"/>
+              </a:rPr>
+              <a:t>OFF</a:t>
+            </a:r>
+          </a:p>
+          <a:p>
+            <a:pPr marL="0" lvl="1" indent="0">
               <a:lnSpc>
                 <a:spcPct val="150000"/>
               </a:lnSpc>
               <a:spcBef>
                 <a:spcPts val="0"/>
               </a:spcBef>
-              <a:buFont typeface="Wingdings" panose="05000000000000000000" pitchFamily="2" charset="2"/>
-              <a:buChar char="Ø"/>
-            </a:pPr>
-            <a:r>
-              <a:rPr lang="zh-CN" altLang="zh-CN" dirty="0"/>
-              <a:t>优先级从高到低分别是</a:t>
-            </a:r>
-            <a:r>
-              <a:rPr lang="en-US" altLang="zh-CN" dirty="0"/>
-              <a:t>FATAL</a:t>
-            </a:r>
-            <a:r>
-              <a:rPr lang="zh-CN" altLang="zh-CN" dirty="0"/>
-              <a:t>、</a:t>
-            </a:r>
-            <a:r>
-              <a:rPr lang="en-US" altLang="zh-CN" dirty="0"/>
-              <a:t>ERROR</a:t>
-            </a:r>
-            <a:r>
-              <a:rPr lang="zh-CN" altLang="zh-CN" dirty="0"/>
-              <a:t>、</a:t>
-            </a:r>
-            <a:r>
-              <a:rPr lang="en-US" altLang="zh-CN" dirty="0"/>
-              <a:t>WARN</a:t>
-            </a:r>
-            <a:r>
-              <a:rPr lang="zh-CN" altLang="zh-CN" dirty="0"/>
-              <a:t>、</a:t>
-            </a:r>
-            <a:r>
-              <a:rPr lang="en-US" altLang="zh-CN" dirty="0"/>
-              <a:t>INFO</a:t>
-            </a:r>
-            <a:r>
-              <a:rPr lang="zh-CN" altLang="zh-CN" dirty="0"/>
-              <a:t>、</a:t>
-            </a:r>
-            <a:r>
-              <a:rPr lang="en-US" altLang="zh-CN" dirty="0"/>
-              <a:t>DEBUG </a:t>
-            </a:r>
-            <a:r>
-              <a:rPr lang="zh-CN" altLang="zh-CN" dirty="0"/>
-              <a:t>在此处，如果优先级别设为</a:t>
-            </a:r>
-            <a:r>
-              <a:rPr lang="en-US" altLang="zh-CN" dirty="0"/>
-              <a:t>info</a:t>
-            </a:r>
-            <a:r>
-              <a:rPr lang="zh-CN" altLang="zh-CN" dirty="0"/>
-              <a:t>，那么使用</a:t>
-            </a:r>
-            <a:r>
-              <a:rPr lang="en-US" altLang="zh-CN" dirty="0"/>
-              <a:t>debug</a:t>
-            </a:r>
-            <a:r>
-              <a:rPr lang="zh-CN" altLang="zh-CN" dirty="0"/>
-              <a:t>方法打印的日志信息将不被输出 </a:t>
-            </a:r>
-            <a:endParaRPr lang="zh-CN" altLang="en-US" dirty="0"/>
+              <a:buNone/>
+            </a:pPr>
+            <a:endParaRPr lang="en-US" altLang="zh-CN" dirty="0"/>
           </a:p>
         </p:txBody>
       </p:sp>
@@ -3790,7 +3942,7 @@
       </p:sp>
       <p:pic>
         <p:nvPicPr>
-          <p:cNvPr id="1026" name="Picture 2"/>
+          <p:cNvPr id="2050" name="Picture 2"/>
           <p:cNvPicPr>
             <a:picLocks noChangeAspect="1" noChangeArrowheads="1"/>
           </p:cNvPicPr>
@@ -3811,8 +3963,8 @@
         </p:blipFill>
         <p:spPr bwMode="auto">
           <a:xfrm>
-            <a:off x="179512" y="4884983"/>
-            <a:ext cx="8163644" cy="1282628"/>
+            <a:off x="323528" y="3645024"/>
+            <a:ext cx="8593098" cy="1808609"/>
           </a:xfrm>
           <a:prstGeom prst="rect">
             <a:avLst/>
@@ -3880,7 +4032,7 @@
         <a:sysClr val="windowText" lastClr="000000"/>
       </a:dk1>
       <a:lt1>
-        <a:sysClr val="window" lastClr="CCE8CF"/>
+        <a:sysClr val="window" lastClr="FFFFFF"/>
       </a:lt1>
       <a:dk2>
         <a:srgbClr val="1F497D"/>
@@ -4163,7 +4315,7 @@
         <a:sysClr val="windowText" lastClr="000000"/>
       </a:dk1>
       <a:lt1>
-        <a:sysClr val="window" lastClr="CCE8CF"/>
+        <a:sysClr val="window" lastClr="FFFFFF"/>
       </a:lt1>
       <a:dk2>
         <a:srgbClr val="1F497D"/>
